--- a/Nove prednasky/P01_02_03_dynamika_dif_rovnice_LPT_prenosova_funkcia_modelovanie.pptx
+++ b/Nove prednasky/P01_02_03_dynamika_dif_rovnice_LPT_prenosova_funkcia_modelovanie.pptx
@@ -550,7 +550,7 @@
           <p:cNvPr id="11" name="Obrázok 10">
             <a:extLst>
               <a:ext uri="{FF2B5EF4-FFF2-40B4-BE49-F238E27FC236}">
-                <a16:creationId xmlns:a16="http://schemas.microsoft.com/office/drawing/2014/main" xmlns="" id="{D575F8E8-6CC8-49FD-8010-88908C002CDA}"/>
+                <a16:creationId xmlns="" xmlns:a16="http://schemas.microsoft.com/office/drawing/2014/main" id="{D575F8E8-6CC8-49FD-8010-88908C002CDA}"/>
               </a:ext>
             </a:extLst>
           </p:cNvPr>
@@ -586,7 +586,7 @@
           <p:cNvPr id="13" name="Obrázok 12">
             <a:extLst>
               <a:ext uri="{FF2B5EF4-FFF2-40B4-BE49-F238E27FC236}">
-                <a16:creationId xmlns:a16="http://schemas.microsoft.com/office/drawing/2014/main" xmlns="" id="{E0A78DBF-D0B2-42A5-9F1D-0CAC637C7D2D}"/>
+                <a16:creationId xmlns="" xmlns:a16="http://schemas.microsoft.com/office/drawing/2014/main" id="{E0A78DBF-D0B2-42A5-9F1D-0CAC637C7D2D}"/>
               </a:ext>
             </a:extLst>
           </p:cNvPr>
@@ -3546,7 +3546,7 @@
           <p:cNvPr id="2" name="Nadpis 1">
             <a:extLst>
               <a:ext uri="{FF2B5EF4-FFF2-40B4-BE49-F238E27FC236}">
-                <a16:creationId xmlns:a16="http://schemas.microsoft.com/office/drawing/2014/main" xmlns="" id="{8C9FEECD-5BD9-4CA4-ACC1-DA9C1EDD96B6}"/>
+                <a16:creationId xmlns="" xmlns:a16="http://schemas.microsoft.com/office/drawing/2014/main" id="{8C9FEECD-5BD9-4CA4-ACC1-DA9C1EDD96B6}"/>
               </a:ext>
             </a:extLst>
           </p:cNvPr>
@@ -3622,7 +3622,7 @@
           <p:cNvPr id="3" name="Podnadpis 2">
             <a:extLst>
               <a:ext uri="{FF2B5EF4-FFF2-40B4-BE49-F238E27FC236}">
-                <a16:creationId xmlns:a16="http://schemas.microsoft.com/office/drawing/2014/main" xmlns="" id="{313B57F5-B394-40F1-BEAB-F5B71B2FEDE1}"/>
+                <a16:creationId xmlns="" xmlns:a16="http://schemas.microsoft.com/office/drawing/2014/main" id="{313B57F5-B394-40F1-BEAB-F5B71B2FEDE1}"/>
               </a:ext>
             </a:extLst>
           </p:cNvPr>
@@ -4180,7 +4180,7 @@
           <p:cNvPr id="3" name="Zástupný objekt pre obsah 2">
             <a:extLst>
               <a:ext uri="{FF2B5EF4-FFF2-40B4-BE49-F238E27FC236}">
-                <a16:creationId xmlns:a16="http://schemas.microsoft.com/office/drawing/2014/main" xmlns="" id="{A74476A0-8C3D-4B4B-ABC1-78C4925E54B4}"/>
+                <a16:creationId xmlns="" xmlns:a16="http://schemas.microsoft.com/office/drawing/2014/main" id="{A74476A0-8C3D-4B4B-ABC1-78C4925E54B4}"/>
               </a:ext>
             </a:extLst>
           </p:cNvPr>
@@ -4352,7 +4352,7 @@
           <p:cNvPr id="2" name="Nadpis 1">
             <a:extLst>
               <a:ext uri="{FF2B5EF4-FFF2-40B4-BE49-F238E27FC236}">
-                <a16:creationId xmlns:a16="http://schemas.microsoft.com/office/drawing/2014/main" xmlns="" id="{A60D084F-ACFD-4F46-B5DB-65DDF10CFCE9}"/>
+                <a16:creationId xmlns="" xmlns:a16="http://schemas.microsoft.com/office/drawing/2014/main" id="{A60D084F-ACFD-4F46-B5DB-65DDF10CFCE9}"/>
               </a:ext>
             </a:extLst>
           </p:cNvPr>
@@ -4494,7 +4494,7 @@
           <p:cNvPr id="2" name="Nadpis 1">
             <a:extLst>
               <a:ext uri="{FF2B5EF4-FFF2-40B4-BE49-F238E27FC236}">
-                <a16:creationId xmlns:a16="http://schemas.microsoft.com/office/drawing/2014/main" xmlns="" id="{59DC17C1-419D-44F2-987B-AD5E29D750B8}"/>
+                <a16:creationId xmlns="" xmlns:a16="http://schemas.microsoft.com/office/drawing/2014/main" id="{59DC17C1-419D-44F2-987B-AD5E29D750B8}"/>
               </a:ext>
             </a:extLst>
           </p:cNvPr>
@@ -4522,7 +4522,7 @@
           <p:cNvPr id="3" name="Zástupný objekt pre obsah 2">
             <a:extLst>
               <a:ext uri="{FF2B5EF4-FFF2-40B4-BE49-F238E27FC236}">
-                <a16:creationId xmlns:a16="http://schemas.microsoft.com/office/drawing/2014/main" xmlns="" id="{5BD42F2B-ABA1-4F3A-865F-32330FB152D7}"/>
+                <a16:creationId xmlns="" xmlns:a16="http://schemas.microsoft.com/office/drawing/2014/main" id="{5BD42F2B-ABA1-4F3A-865F-32330FB152D7}"/>
               </a:ext>
             </a:extLst>
           </p:cNvPr>
@@ -4735,7 +4735,7 @@
           <a:graphicData uri="http://schemas.openxmlformats.org/presentationml/2006/ole">
             <mc:AlternateContent xmlns:mc="http://schemas.openxmlformats.org/markup-compatibility/2006">
               <mc:Choice xmlns:v="urn:schemas-microsoft-com:vml" Requires="v">
-                <p:oleObj spid="_x0000_s4202" name="Rovnica" r:id="rId3" imgW="3187700" imgH="901700" progId="Equation.3">
+                <p:oleObj spid="_x0000_s4204" name="Rovnica" r:id="rId3" imgW="3187700" imgH="901700" progId="Equation.3">
                   <p:embed/>
                 </p:oleObj>
               </mc:Choice>
@@ -5139,8 +5139,8 @@
         </p:blipFill>
         <p:spPr bwMode="auto">
           <a:xfrm>
-            <a:off x="1407256" y="3157999"/>
-            <a:ext cx="6444814" cy="3232322"/>
+            <a:off x="1910471" y="3638073"/>
+            <a:ext cx="5323054" cy="2669716"/>
           </a:xfrm>
           <a:prstGeom prst="rect">
             <a:avLst/>
@@ -9904,8 +9904,13 @@
             </a:r>
             <a:r>
               <a:rPr lang="sk-SK" sz="2400" i="1" dirty="0"/>
-              <a:t>“ čo znamená kormidelník</a:t>
+              <a:t>“ čo znamená </a:t>
             </a:r>
+            <a:r>
+              <a:rPr lang="sk-SK" sz="2400" i="1" dirty="0" smtClean="0"/>
+              <a:t>kormidelník (súvisí s riadením)</a:t>
+            </a:r>
+            <a:endParaRPr lang="sk-SK" sz="2400" i="1" dirty="0"/>
           </a:p>
           <a:p>
             <a:pPr>
@@ -12379,8 +12384,8 @@
           </a:p>
         </p:txBody>
       </p:sp>
-      <mc:AlternateContent xmlns:mc="http://schemas.openxmlformats.org/markup-compatibility/2006" xmlns:a14="http://schemas.microsoft.com/office/drawing/2010/main">
-        <mc:Choice Requires="a14">
+      <mc:AlternateContent xmlns:mc="http://schemas.openxmlformats.org/markup-compatibility/2006">
+        <mc:Choice xmlns:a14="http://schemas.microsoft.com/office/drawing/2010/main" Requires="a14">
           <p:sp>
             <p:nvSpPr>
               <p:cNvPr id="3" name="Zástupný symbol obsahu 2"/>
@@ -12409,7 +12414,8 @@
                 </a:pPr>
                 <a:r>
                   <a:rPr lang="sk-SK" dirty="0">
-                    <a:latin typeface="Cambria Math" panose="02040503050406030204" pitchFamily="18" charset="0"/>
+                    <a:latin typeface="Calibri" panose="020F0502020204030204" pitchFamily="34" charset="0"/>
+                    <a:cs typeface="Calibri" panose="020F0502020204030204" pitchFamily="34" charset="0"/>
                   </a:rPr>
                   <a:t>Polynóm – mnohočlen </a:t>
                 </a:r>
@@ -12683,9 +12689,7 @@
                   <a:buChar char="•"/>
                 </a:pPr>
                 <a:r>
-                  <a:rPr lang="sk-SK" dirty="0">
-                    <a:latin typeface="Cambria Math" panose="02040503050406030204" pitchFamily="18" charset="0"/>
-                  </a:rPr>
+                  <a:rPr lang="sk-SK" dirty="0"/>
                   <a:t>Racionálna funkcia –podiel polynómov</a:t>
                 </a:r>
               </a:p>
@@ -13177,7 +13181,7 @@
             </p:txBody>
           </p:sp>
         </mc:Choice>
-        <mc:Fallback xmlns="">
+        <mc:Fallback>
           <p:sp>
             <p:nvSpPr>
               <p:cNvPr id="3" name="Zástupný symbol obsahu 2"/>
@@ -14856,7 +14860,7 @@
         </p:blipFill>
         <p:spPr bwMode="auto">
           <a:xfrm>
-            <a:off x="5346357" y="1115590"/>
+            <a:off x="5346357" y="2112369"/>
             <a:ext cx="3797643" cy="2848232"/>
           </a:xfrm>
           <a:prstGeom prst="rect">
@@ -14981,8 +14985,8 @@
           </a:p>
         </p:txBody>
       </p:sp>
-      <mc:AlternateContent xmlns:mc="http://schemas.openxmlformats.org/markup-compatibility/2006" xmlns:a14="http://schemas.microsoft.com/office/drawing/2010/main">
-        <mc:Choice Requires="a14">
+      <mc:AlternateContent xmlns:mc="http://schemas.openxmlformats.org/markup-compatibility/2006">
+        <mc:Choice xmlns:a14="http://schemas.microsoft.com/office/drawing/2010/main" Requires="a14">
           <p:sp>
             <p:nvSpPr>
               <p:cNvPr id="3" name="Zástupný symbol obsahu 2"/>
@@ -15115,7 +15119,11 @@
                 <a:pPr lvl="1"/>
                 <a:r>
                   <a:rPr lang="sk-SK" dirty="0"/>
-                  <a:t>Bežný jav v reálnych systémoch</a:t>
+                  <a:t>Bežný</a:t>
+                </a:r>
+                <a:r>
+                  <a:rPr lang="sk-SK" dirty="0"/>
+                  <a:t> jav v reálnych systémoch</a:t>
                 </a:r>
               </a:p>
               <a:p>
@@ -15264,7 +15272,7 @@
             </p:txBody>
           </p:sp>
         </mc:Choice>
-        <mc:Fallback xmlns="">
+        <mc:Fallback>
           <p:sp>
             <p:nvSpPr>
               <p:cNvPr id="3" name="Zástupný symbol obsahu 2"/>
@@ -15354,8 +15362,8 @@
           </a:p>
         </p:txBody>
       </p:sp>
-      <mc:AlternateContent xmlns:mc="http://schemas.openxmlformats.org/markup-compatibility/2006" xmlns:a14="http://schemas.microsoft.com/office/drawing/2010/main">
-        <mc:Choice Requires="a14">
+      <mc:AlternateContent xmlns:mc="http://schemas.openxmlformats.org/markup-compatibility/2006">
+        <mc:Choice xmlns:a14="http://schemas.microsoft.com/office/drawing/2010/main" Requires="a14">
           <p:sp>
             <p:nvSpPr>
               <p:cNvPr id="3" name="Zástupný symbol obsahu 2"/>
@@ -15369,7 +15377,7 @@
             <p:spPr>
               <a:xfrm>
                 <a:off x="393699" y="1040445"/>
-                <a:ext cx="8445501" cy="5525111"/>
+                <a:ext cx="8445501" cy="5706344"/>
               </a:xfrm>
             </p:spPr>
             <p:txBody>
@@ -15383,9 +15391,7 @@
                   <a:buChar char="•"/>
                 </a:pPr>
                 <a:r>
-                  <a:rPr lang="sk-SK" dirty="0">
-                    <a:latin typeface="Cambria Math" panose="02040503050406030204" pitchFamily="18" charset="0"/>
-                  </a:rPr>
+                  <a:rPr lang="sk-SK" sz="2300" dirty="0"/>
                   <a:t>Odvoďme teraz obraz všeobecnej exponenciálnej funkcie </a:t>
                 </a:r>
                 <a14:m>
@@ -15393,33 +15399,25 @@
                     <m:sSup>
                       <m:sSupPr>
                         <m:ctrlPr>
-                          <a:rPr lang="sk-SK" i="1">
-                            <a:latin typeface="Cambria Math" panose="02040503050406030204" pitchFamily="18" charset="0"/>
-                          </a:rPr>
+                          <a:rPr lang="sk-SK" sz="2300"/>
                         </m:ctrlPr>
                       </m:sSupPr>
                       <m:e>
                         <m:r>
-                          <a:rPr lang="sk-SK" i="1">
-                            <a:latin typeface="Cambria Math" panose="02040503050406030204" pitchFamily="18" charset="0"/>
-                          </a:rPr>
+                          <a:rPr lang="sk-SK" sz="2300"/>
                           <m:t>𝑒</m:t>
                         </m:r>
                       </m:e>
                       <m:sup>
                         <m:r>
-                          <a:rPr lang="sk-SK" i="1">
-                            <a:latin typeface="Cambria Math" panose="02040503050406030204" pitchFamily="18" charset="0"/>
-                          </a:rPr>
+                          <a:rPr lang="sk-SK" sz="2300"/>
                           <m:t>𝑎𝑡</m:t>
                         </m:r>
                       </m:sup>
                     </m:sSup>
                   </m:oMath>
                 </a14:m>
-                <a:endParaRPr lang="sk-SK" dirty="0">
-                  <a:latin typeface="Cambria Math" panose="02040503050406030204" pitchFamily="18" charset="0"/>
-                </a:endParaRPr>
+                <a:endParaRPr lang="sk-SK" sz="2300" dirty="0"/>
               </a:p>
               <a:p>
                 <a:pPr>
@@ -15427,20 +15425,23 @@
                   <a:buChar char="•"/>
                 </a:pPr>
                 <a:r>
-                  <a:rPr lang="sk-SK" dirty="0">
-                    <a:latin typeface="Cambria Math" panose="02040503050406030204" pitchFamily="18" charset="0"/>
+                  <a:rPr lang="sk-SK" sz="2300" dirty="0">
+                    <a:latin typeface="Calibri" panose="020F0502020204030204" pitchFamily="34" charset="0"/>
+                    <a:cs typeface="Calibri" panose="020F0502020204030204" pitchFamily="34" charset="0"/>
                   </a:rPr>
                   <a:t>Exponenciálna funkcia </a:t>
                 </a:r>
                 <a:r>
-                  <a:rPr lang="en-US" dirty="0">
-                    <a:latin typeface="Cambria Math" panose="02040503050406030204" pitchFamily="18" charset="0"/>
+                  <a:rPr lang="en-US" sz="2300" dirty="0">
+                    <a:latin typeface="Calibri" panose="020F0502020204030204" pitchFamily="34" charset="0"/>
+                    <a:cs typeface="Calibri" panose="020F0502020204030204" pitchFamily="34" charset="0"/>
                   </a:rPr>
                   <a:t>m</a:t>
                 </a:r>
                 <a:r>
-                  <a:rPr lang="sk-SK" dirty="0">
-                    <a:latin typeface="Cambria Math" panose="02040503050406030204" pitchFamily="18" charset="0"/>
+                  <a:rPr lang="sk-SK" sz="2300" dirty="0">
+                    <a:latin typeface="Calibri" panose="020F0502020204030204" pitchFamily="34" charset="0"/>
+                    <a:cs typeface="Calibri" panose="020F0502020204030204" pitchFamily="34" charset="0"/>
                   </a:rPr>
                   <a:t>á zvláštny význam pri analýze lineárnych systémov</a:t>
                 </a:r>
@@ -15451,8 +15452,9 @@
                   <a:buChar char="•"/>
                 </a:pPr>
                 <a:r>
-                  <a:rPr lang="sk-SK" dirty="0">
-                    <a:latin typeface="Cambria Math" panose="02040503050406030204" pitchFamily="18" charset="0"/>
+                  <a:rPr lang="sk-SK" sz="2300" dirty="0">
+                    <a:latin typeface="Calibri" panose="020F0502020204030204" pitchFamily="34" charset="0"/>
+                    <a:cs typeface="Calibri" panose="020F0502020204030204" pitchFamily="34" charset="0"/>
                   </a:rPr>
                   <a:t>Definičný integrál LPT</a:t>
                 </a:r>
@@ -15673,9 +15675,16 @@
                 </a:pPr>
                 <a:r>
                   <a:rPr lang="sk-SK" sz="2100" dirty="0">
+                    <a:latin typeface="Calibri" panose="020F0502020204030204" pitchFamily="34" charset="0"/>
+                    <a:cs typeface="Calibri" panose="020F0502020204030204" pitchFamily="34" charset="0"/>
+                  </a:rPr>
+                  <a:t>Dosadíme</a:t>
+                </a:r>
+                <a:r>
+                  <a:rPr lang="sk-SK" sz="2100" dirty="0">
                     <a:latin typeface="Cambria Math" panose="02040503050406030204" pitchFamily="18" charset="0"/>
                   </a:rPr>
-                  <a:t>Dosadíme funkciu</a:t>
+                  <a:t> funkciu</a:t>
                 </a:r>
               </a:p>
               <a:p>
@@ -16207,7 +16216,8 @@
                 </a:pPr>
                 <a:r>
                   <a:rPr lang="sk-SK" dirty="0">
-                    <a:latin typeface="Cambria Math" panose="02040503050406030204" pitchFamily="18" charset="0"/>
+                    <a:latin typeface="Calibri" panose="020F0502020204030204" pitchFamily="34" charset="0"/>
+                    <a:cs typeface="Calibri" panose="020F0502020204030204" pitchFamily="34" charset="0"/>
                   </a:rPr>
                   <a:t>Zvlášť podstatné je znamienko konštanty </a:t>
                 </a:r>
@@ -16222,7 +16232,8 @@
                   </m:oMath>
                 </a14:m>
                 <a:endParaRPr lang="sk-SK" dirty="0">
-                  <a:latin typeface="Cambria Math" panose="02040503050406030204" pitchFamily="18" charset="0"/>
+                  <a:latin typeface="Calibri" panose="020F0502020204030204" pitchFamily="34" charset="0"/>
+                  <a:cs typeface="Calibri" panose="020F0502020204030204" pitchFamily="34" charset="0"/>
                 </a:endParaRPr>
               </a:p>
               <a:p>
@@ -16235,7 +16246,8 @@
                 </a:pPr>
                 <a:r>
                   <a:rPr lang="sk-SK" dirty="0">
-                    <a:latin typeface="Cambria Math" panose="02040503050406030204" pitchFamily="18" charset="0"/>
+                    <a:latin typeface="Calibri" panose="020F0502020204030204" pitchFamily="34" charset="0"/>
+                    <a:cs typeface="Calibri" panose="020F0502020204030204" pitchFamily="34" charset="0"/>
                   </a:rPr>
                   <a:t>V prípade, že je </a:t>
                 </a:r>
@@ -16251,7 +16263,8 @@
                 </a14:m>
                 <a:r>
                   <a:rPr lang="sk-SK" dirty="0">
-                    <a:latin typeface="Cambria Math" panose="02040503050406030204" pitchFamily="18" charset="0"/>
+                    <a:latin typeface="Calibri" panose="020F0502020204030204" pitchFamily="34" charset="0"/>
+                    <a:cs typeface="Calibri" panose="020F0502020204030204" pitchFamily="34" charset="0"/>
                   </a:rPr>
                   <a:t> kladné, exponenciálna funkcia v časovej oblasti </a:t>
                 </a:r>
@@ -16286,7 +16299,8 @@
                 </a14:m>
                 <a:r>
                   <a:rPr lang="sk-SK" dirty="0">
-                    <a:latin typeface="Cambria Math" panose="02040503050406030204" pitchFamily="18" charset="0"/>
+                    <a:latin typeface="Calibri" panose="020F0502020204030204" pitchFamily="34" charset="0"/>
+                    <a:cs typeface="Calibri" panose="020F0502020204030204" pitchFamily="34" charset="0"/>
                   </a:rPr>
                   <a:t> bude mať limitne nekonečnom čase nekonečnú hodnotu </a:t>
                 </a:r>
@@ -16340,7 +16354,8 @@
                   </m:oMath>
                 </a14:m>
                 <a:endParaRPr lang="sk-SK" dirty="0">
-                  <a:latin typeface="Cambria Math" panose="02040503050406030204" pitchFamily="18" charset="0"/>
+                  <a:latin typeface="Calibri" panose="020F0502020204030204" pitchFamily="34" charset="0"/>
+                  <a:cs typeface="Calibri" panose="020F0502020204030204" pitchFamily="34" charset="0"/>
                 </a:endParaRPr>
               </a:p>
               <a:p>
@@ -16353,7 +16368,8 @@
                 </a:pPr>
                 <a:r>
                   <a:rPr lang="sk-SK" dirty="0">
-                    <a:latin typeface="Cambria Math" panose="02040503050406030204" pitchFamily="18" charset="0"/>
+                    <a:latin typeface="Calibri" panose="020F0502020204030204" pitchFamily="34" charset="0"/>
+                    <a:cs typeface="Calibri" panose="020F0502020204030204" pitchFamily="34" charset="0"/>
                   </a:rPr>
                   <a:t>V prípade, že je </a:t>
                 </a:r>
@@ -16369,7 +16385,8 @@
                 </a14:m>
                 <a:r>
                   <a:rPr lang="sk-SK" dirty="0">
-                    <a:latin typeface="Cambria Math" panose="02040503050406030204" pitchFamily="18" charset="0"/>
+                    <a:latin typeface="Calibri" panose="020F0502020204030204" pitchFamily="34" charset="0"/>
+                    <a:cs typeface="Calibri" panose="020F0502020204030204" pitchFamily="34" charset="0"/>
                   </a:rPr>
                   <a:t> záporné, exponenciálna funkcia v časovej oblasti </a:t>
                 </a:r>
@@ -16410,7 +16427,8 @@
                 </a14:m>
                 <a:r>
                   <a:rPr lang="sk-SK" dirty="0">
-                    <a:latin typeface="Cambria Math" panose="02040503050406030204" pitchFamily="18" charset="0"/>
+                    <a:latin typeface="Calibri" panose="020F0502020204030204" pitchFamily="34" charset="0"/>
+                    <a:cs typeface="Calibri" panose="020F0502020204030204" pitchFamily="34" charset="0"/>
                   </a:rPr>
                   <a:t> bude mať limitne nekonečnom čase nulovú hodnotu </a:t>
                 </a:r>
@@ -16469,7 +16487,8 @@
                   </m:oMath>
                 </a14:m>
                 <a:endParaRPr lang="sk-SK" dirty="0">
-                  <a:latin typeface="Cambria Math" panose="02040503050406030204" pitchFamily="18" charset="0"/>
+                  <a:latin typeface="Calibri" panose="020F0502020204030204" pitchFamily="34" charset="0"/>
+                  <a:cs typeface="Calibri" panose="020F0502020204030204" pitchFamily="34" charset="0"/>
                 </a:endParaRPr>
               </a:p>
               <a:p>
@@ -16482,7 +16501,8 @@
                 </a:pPr>
                 <a:r>
                   <a:rPr lang="sk-SK" dirty="0">
-                    <a:latin typeface="Cambria Math" panose="02040503050406030204" pitchFamily="18" charset="0"/>
+                    <a:latin typeface="Calibri" panose="020F0502020204030204" pitchFamily="34" charset="0"/>
+                    <a:cs typeface="Calibri" panose="020F0502020204030204" pitchFamily="34" charset="0"/>
                   </a:rPr>
                   <a:t>Tieto fakty smerujú k neskoršej definícii stability lineárnych systémov  na základe rozloženia (znamienka) koreňov  menovateľa prenosovej funkcie.</a:t>
                 </a:r>
@@ -16490,7 +16510,7 @@
             </p:txBody>
           </p:sp>
         </mc:Choice>
-        <mc:Fallback xmlns="">
+        <mc:Fallback>
           <p:sp>
             <p:nvSpPr>
               <p:cNvPr id="3" name="Zástupný symbol obsahu 2"/>
@@ -16504,12 +16524,12 @@
             <p:spPr>
               <a:xfrm>
                 <a:off x="393699" y="1040445"/>
-                <a:ext cx="8445501" cy="5525111"/>
+                <a:ext cx="8445501" cy="5706344"/>
               </a:xfrm>
               <a:blipFill rotWithShape="0">
                 <a:blip r:embed="rId2"/>
                 <a:stretch>
-                  <a:fillRect l="-1805" t="-1656" r="-1949"/>
+                  <a:fillRect l="-1805" t="-1816" r="-1733"/>
                 </a:stretch>
               </a:blipFill>
             </p:spPr>
@@ -21317,7 +21337,7 @@
           <p:cNvPr id="2" name="Nadpis 1">
             <a:extLst>
               <a:ext uri="{FF2B5EF4-FFF2-40B4-BE49-F238E27FC236}">
-                <a16:creationId xmlns:a16="http://schemas.microsoft.com/office/drawing/2014/main" xmlns="" id="{A8B9229A-0708-45EE-8463-6099272DED27}"/>
+                <a16:creationId xmlns="" xmlns:a16="http://schemas.microsoft.com/office/drawing/2014/main" id="{A8B9229A-0708-45EE-8463-6099272DED27}"/>
               </a:ext>
             </a:extLst>
           </p:cNvPr>
@@ -21358,14 +21378,14 @@
           </a:p>
         </p:txBody>
       </p:sp>
-      <mc:AlternateContent xmlns:mc="http://schemas.openxmlformats.org/markup-compatibility/2006">
-        <mc:Choice xmlns:a14="http://schemas.microsoft.com/office/drawing/2010/main" Requires="a14">
+      <mc:AlternateContent xmlns:mc="http://schemas.openxmlformats.org/markup-compatibility/2006" xmlns:a14="http://schemas.microsoft.com/office/drawing/2010/main">
+        <mc:Choice Requires="a14">
           <p:sp>
             <p:nvSpPr>
               <p:cNvPr id="3" name="Zástupný objekt pre obsah 2">
                 <a:extLst>
                   <a:ext uri="{FF2B5EF4-FFF2-40B4-BE49-F238E27FC236}">
-                    <a16:creationId xmlns:a16="http://schemas.microsoft.com/office/drawing/2014/main" xmlns="" id="{44DCCF6D-9C5D-4A59-AA7D-CFB492EFFBBE}"/>
+                    <a16:creationId xmlns="" xmlns:a16="http://schemas.microsoft.com/office/drawing/2014/main" id="{44DCCF6D-9C5D-4A59-AA7D-CFB492EFFBBE}"/>
                   </a:ext>
                 </a:extLst>
               </p:cNvPr>
@@ -21724,7 +21744,7 @@
             </p:txBody>
           </p:sp>
         </mc:Choice>
-        <mc:Fallback>
+        <mc:Fallback xmlns="">
           <p:sp>
             <p:nvSpPr>
               <p:cNvPr id="3" name="Zástupný objekt pre obsah 2">
@@ -21844,8 +21864,8 @@
           </a:p>
         </p:txBody>
       </p:sp>
-      <mc:AlternateContent xmlns:mc="http://schemas.openxmlformats.org/markup-compatibility/2006" xmlns:a14="http://schemas.microsoft.com/office/drawing/2010/main">
-        <mc:Choice Requires="a14">
+      <mc:AlternateContent xmlns:mc="http://schemas.openxmlformats.org/markup-compatibility/2006">
+        <mc:Choice xmlns:a14="http://schemas.microsoft.com/office/drawing/2010/main" Requires="a14">
           <p:sp>
             <p:nvSpPr>
               <p:cNvPr id="3" name="Zástupný symbol obsahu 2"/>
@@ -21877,7 +21897,7 @@
                   <a:t>Racionálna (lomená) funkcia komplexnej premennej </a:t>
                 </a:r>
                 <a:r>
-                  <a:rPr lang="sk-SK" b="1" i="1" dirty="0"/>
+                  <a:rPr lang="sk-SK" i="1" dirty="0"/>
                   <a:t>s</a:t>
                 </a:r>
               </a:p>
@@ -22043,7 +22063,71 @@
                       <a:srgbClr val="FF0000"/>
                     </a:solidFill>
                   </a:rPr>
-                  <a:t> systému k </a:t>
+                  <a:t> </a:t>
+                </a:r>
+                <a:r>
+                  <a:rPr lang="sk-SK" dirty="0" smtClean="0">
+                    <a:solidFill>
+                      <a:srgbClr val="FF0000"/>
+                    </a:solidFill>
+                  </a:rPr>
+                  <a:t>systému </a:t>
+                </a:r>
+                <a14:m>
+                  <m:oMath xmlns:m="http://schemas.openxmlformats.org/officeDocument/2006/math">
+                    <m:r>
+                      <a:rPr lang="sk-SK" i="1">
+                        <a:solidFill>
+                          <a:srgbClr val="FF0000"/>
+                        </a:solidFill>
+                        <a:latin typeface="Cambria Math" panose="02040503050406030204" pitchFamily="18" charset="0"/>
+                      </a:rPr>
+                      <m:t>𝑌</m:t>
+                    </m:r>
+                    <m:r>
+                      <a:rPr lang="sk-SK" i="1">
+                        <a:solidFill>
+                          <a:srgbClr val="FF0000"/>
+                        </a:solidFill>
+                        <a:latin typeface="Cambria Math" panose="02040503050406030204" pitchFamily="18" charset="0"/>
+                      </a:rPr>
+                      <m:t>(</m:t>
+                    </m:r>
+                    <m:r>
+                      <a:rPr lang="sk-SK" i="1">
+                        <a:solidFill>
+                          <a:srgbClr val="FF0000"/>
+                        </a:solidFill>
+                        <a:latin typeface="Cambria Math" panose="02040503050406030204" pitchFamily="18" charset="0"/>
+                      </a:rPr>
+                      <m:t>𝑠</m:t>
+                    </m:r>
+                    <m:r>
+                      <a:rPr lang="sk-SK" i="1">
+                        <a:solidFill>
+                          <a:srgbClr val="FF0000"/>
+                        </a:solidFill>
+                        <a:latin typeface="Cambria Math" panose="02040503050406030204" pitchFamily="18" charset="0"/>
+                      </a:rPr>
+                      <m:t>)</m:t>
+                    </m:r>
+                  </m:oMath>
+                </a14:m>
+                <a:r>
+                  <a:rPr lang="sk-SK" dirty="0" smtClean="0">
+                    <a:solidFill>
+                      <a:srgbClr val="FF0000"/>
+                    </a:solidFill>
+                  </a:rPr>
+                  <a:t> </a:t>
+                </a:r>
+                <a:r>
+                  <a:rPr lang="sk-SK" dirty="0">
+                    <a:solidFill>
+                      <a:srgbClr val="FF0000"/>
+                    </a:solidFill>
+                  </a:rPr>
+                  <a:t>k </a:t>
                 </a:r>
                 <a:r>
                   <a:rPr lang="sk-SK" dirty="0" err="1">
@@ -22075,7 +22159,71 @@
                       <a:srgbClr val="FF0000"/>
                     </a:solidFill>
                   </a:rPr>
-                  <a:t> systému pri </a:t>
+                  <a:t> </a:t>
+                </a:r>
+                <a:r>
+                  <a:rPr lang="sk-SK" dirty="0" smtClean="0">
+                    <a:solidFill>
+                      <a:srgbClr val="FF0000"/>
+                    </a:solidFill>
+                  </a:rPr>
+                  <a:t>systému </a:t>
+                </a:r>
+                <a14:m>
+                  <m:oMath xmlns:m="http://schemas.openxmlformats.org/officeDocument/2006/math">
+                    <m:r>
+                      <a:rPr lang="sk-SK" i="1" smtClean="0">
+                        <a:solidFill>
+                          <a:srgbClr val="FF0000"/>
+                        </a:solidFill>
+                        <a:latin typeface="Cambria Math" panose="02040503050406030204" pitchFamily="18" charset="0"/>
+                      </a:rPr>
+                      <m:t>𝑈</m:t>
+                    </m:r>
+                    <m:r>
+                      <a:rPr lang="sk-SK" i="1" smtClean="0">
+                        <a:solidFill>
+                          <a:srgbClr val="FF0000"/>
+                        </a:solidFill>
+                        <a:latin typeface="Cambria Math" panose="02040503050406030204" pitchFamily="18" charset="0"/>
+                      </a:rPr>
+                      <m:t>(</m:t>
+                    </m:r>
+                    <m:r>
+                      <a:rPr lang="sk-SK" i="1" smtClean="0">
+                        <a:solidFill>
+                          <a:srgbClr val="FF0000"/>
+                        </a:solidFill>
+                        <a:latin typeface="Cambria Math" panose="02040503050406030204" pitchFamily="18" charset="0"/>
+                      </a:rPr>
+                      <m:t>𝑠</m:t>
+                    </m:r>
+                    <m:r>
+                      <a:rPr lang="sk-SK" i="1" smtClean="0">
+                        <a:solidFill>
+                          <a:srgbClr val="FF0000"/>
+                        </a:solidFill>
+                        <a:latin typeface="Cambria Math" panose="02040503050406030204" pitchFamily="18" charset="0"/>
+                      </a:rPr>
+                      <m:t>)</m:t>
+                    </m:r>
+                  </m:oMath>
+                </a14:m>
+                <a:r>
+                  <a:rPr lang="sk-SK" dirty="0" smtClean="0">
+                    <a:solidFill>
+                      <a:srgbClr val="FF0000"/>
+                    </a:solidFill>
+                  </a:rPr>
+                  <a:t> </a:t>
+                </a:r>
+                <a:r>
+                  <a:rPr lang="sk-SK" dirty="0">
+                    <a:solidFill>
+                      <a:srgbClr val="FF0000"/>
+                    </a:solidFill>
+                  </a:rPr>
+                  <a:t>pri </a:t>
                 </a:r>
                 <a:r>
                   <a:rPr lang="sk-SK" u="sng" dirty="0">
@@ -22401,7 +22549,7 @@
             </p:txBody>
           </p:sp>
         </mc:Choice>
-        <mc:Fallback xmlns="">
+        <mc:Fallback>
           <p:sp>
             <p:nvSpPr>
               <p:cNvPr id="3" name="Zástupný symbol obsahu 2"/>
@@ -22417,10 +22565,10 @@
                 <a:off x="278370" y="1110467"/>
                 <a:ext cx="8519642" cy="5665154"/>
               </a:xfrm>
-              <a:blipFill>
+              <a:blipFill rotWithShape="0">
                 <a:blip r:embed="rId2"/>
                 <a:stretch>
-                  <a:fillRect l="-1790" t="-1830" r="-1718"/>
+                  <a:fillRect l="-1790" t="-1830"/>
                 </a:stretch>
               </a:blipFill>
             </p:spPr>
@@ -22681,7 +22829,7 @@
           <p:cNvPr id="2" name="Nadpis 1">
             <a:extLst>
               <a:ext uri="{FF2B5EF4-FFF2-40B4-BE49-F238E27FC236}">
-                <a16:creationId xmlns:a16="http://schemas.microsoft.com/office/drawing/2014/main" xmlns="" id="{59DC17C1-419D-44F2-987B-AD5E29D750B8}"/>
+                <a16:creationId xmlns="" xmlns:a16="http://schemas.microsoft.com/office/drawing/2014/main" id="{59DC17C1-419D-44F2-987B-AD5E29D750B8}"/>
               </a:ext>
             </a:extLst>
           </p:cNvPr>
@@ -22740,7 +22888,7 @@
               <p:cNvPr id="3" name="Zástupný objekt pre obsah 2">
                 <a:extLst>
                   <a:ext uri="{FF2B5EF4-FFF2-40B4-BE49-F238E27FC236}">
-                    <a16:creationId xmlns:a16="http://schemas.microsoft.com/office/drawing/2014/main" xmlns="" id="{5BD42F2B-ABA1-4F3A-865F-32330FB152D7}"/>
+                    <a16:creationId xmlns="" xmlns:a16="http://schemas.microsoft.com/office/drawing/2014/main" id="{5BD42F2B-ABA1-4F3A-865F-32330FB152D7}"/>
                   </a:ext>
                 </a:extLst>
               </p:cNvPr>
@@ -22992,7 +23140,7 @@
               <p:cNvPr id="5" name="Objekt 4">
                 <a:extLst>
                   <a:ext uri="{FF2B5EF4-FFF2-40B4-BE49-F238E27FC236}">
-                    <a16:creationId xmlns:a16="http://schemas.microsoft.com/office/drawing/2014/main" xmlns="" id="{2B9530D7-50B8-49D5-9421-24DA6AA8D50A}"/>
+                    <a16:creationId xmlns="" xmlns:a16="http://schemas.microsoft.com/office/drawing/2014/main" id="{2B9530D7-50B8-49D5-9421-24DA6AA8D50A}"/>
                   </a:ext>
                 </a:extLst>
               </p:cNvPr>
@@ -24279,7 +24427,7 @@
               <p:cNvPr id="7" name="Objekt 6">
                 <a:extLst>
                   <a:ext uri="{FF2B5EF4-FFF2-40B4-BE49-F238E27FC236}">
-                    <a16:creationId xmlns:a16="http://schemas.microsoft.com/office/drawing/2014/main" xmlns="" id="{16432777-2D70-476C-B3FC-DEC9E60D4A22}"/>
+                    <a16:creationId xmlns="" xmlns:a16="http://schemas.microsoft.com/office/drawing/2014/main" id="{16432777-2D70-476C-B3FC-DEC9E60D4A22}"/>
                   </a:ext>
                 </a:extLst>
               </p:cNvPr>
@@ -24999,7 +25147,7 @@
               <p:cNvPr id="8" name="Objekt 7">
                 <a:extLst>
                   <a:ext uri="{FF2B5EF4-FFF2-40B4-BE49-F238E27FC236}">
-                    <a16:creationId xmlns:a16="http://schemas.microsoft.com/office/drawing/2014/main" xmlns="" id="{864B9980-FFC7-47C1-A1E4-B6188693B32A}"/>
+                    <a16:creationId xmlns="" xmlns:a16="http://schemas.microsoft.com/office/drawing/2014/main" id="{864B9980-FFC7-47C1-A1E4-B6188693B32A}"/>
                   </a:ext>
                 </a:extLst>
               </p:cNvPr>
@@ -25806,7 +25954,7 @@
           <p:cNvPr id="2" name="Nadpis 1">
             <a:extLst>
               <a:ext uri="{FF2B5EF4-FFF2-40B4-BE49-F238E27FC236}">
-                <a16:creationId xmlns:a16="http://schemas.microsoft.com/office/drawing/2014/main" xmlns="" id="{D1758640-2A56-43A9-9F27-EEC95C7339C4}"/>
+                <a16:creationId xmlns="" xmlns:a16="http://schemas.microsoft.com/office/drawing/2014/main" id="{D1758640-2A56-43A9-9F27-EEC95C7339C4}"/>
               </a:ext>
             </a:extLst>
           </p:cNvPr>
@@ -25861,7 +26009,7 @@
               <p:cNvPr id="3" name="Zástupný objekt pre obsah 2">
                 <a:extLst>
                   <a:ext uri="{FF2B5EF4-FFF2-40B4-BE49-F238E27FC236}">
-                    <a16:creationId xmlns:a16="http://schemas.microsoft.com/office/drawing/2014/main" xmlns="" id="{905BCF15-A292-4435-871D-2EFF4A833C97}"/>
+                    <a16:creationId xmlns="" xmlns:a16="http://schemas.microsoft.com/office/drawing/2014/main" id="{905BCF15-A292-4435-871D-2EFF4A833C97}"/>
                   </a:ext>
                 </a:extLst>
               </p:cNvPr>
@@ -26028,7 +26176,7 @@
               <p:cNvPr id="4" name="Objekt 7">
                 <a:extLst>
                   <a:ext uri="{FF2B5EF4-FFF2-40B4-BE49-F238E27FC236}">
-                    <a16:creationId xmlns:a16="http://schemas.microsoft.com/office/drawing/2014/main" xmlns="" id="{2D91840E-5BE7-455C-9F02-0C8AFB7E7AEF}"/>
+                    <a16:creationId xmlns="" xmlns:a16="http://schemas.microsoft.com/office/drawing/2014/main" id="{2D91840E-5BE7-455C-9F02-0C8AFB7E7AEF}"/>
                   </a:ext>
                 </a:extLst>
               </p:cNvPr>
@@ -26363,7 +26511,7 @@
               <p:cNvPr id="5" name="Objekt 7">
                 <a:extLst>
                   <a:ext uri="{FF2B5EF4-FFF2-40B4-BE49-F238E27FC236}">
-                    <a16:creationId xmlns:a16="http://schemas.microsoft.com/office/drawing/2014/main" xmlns="" id="{A4C71449-6785-48FE-AC0D-3650D4886D16}"/>
+                    <a16:creationId xmlns="" xmlns:a16="http://schemas.microsoft.com/office/drawing/2014/main" id="{A4C71449-6785-48FE-AC0D-3650D4886D16}"/>
                   </a:ext>
                 </a:extLst>
               </p:cNvPr>
@@ -26700,7 +26848,7 @@
               <p:cNvPr id="6" name="Objekt 7">
                 <a:extLst>
                   <a:ext uri="{FF2B5EF4-FFF2-40B4-BE49-F238E27FC236}">
-                    <a16:creationId xmlns:a16="http://schemas.microsoft.com/office/drawing/2014/main" xmlns="" id="{DFABCE19-0ABB-4765-AC16-7276B766F8F2}"/>
+                    <a16:creationId xmlns="" xmlns:a16="http://schemas.microsoft.com/office/drawing/2014/main" id="{DFABCE19-0ABB-4765-AC16-7276B766F8F2}"/>
                   </a:ext>
                 </a:extLst>
               </p:cNvPr>
@@ -26973,7 +27121,7 @@
           <p:cNvPr id="7" name="Obrázok 6">
             <a:extLst>
               <a:ext uri="{FF2B5EF4-FFF2-40B4-BE49-F238E27FC236}">
-                <a16:creationId xmlns:a16="http://schemas.microsoft.com/office/drawing/2014/main" xmlns="" id="{36EB93E6-2956-4B32-A635-AB56D0AFF974}"/>
+                <a16:creationId xmlns="" xmlns:a16="http://schemas.microsoft.com/office/drawing/2014/main" id="{36EB93E6-2956-4B32-A635-AB56D0AFF974}"/>
               </a:ext>
             </a:extLst>
           </p:cNvPr>
@@ -27016,7 +27164,7 @@
           <p:cNvPr id="8" name="BlokTextu 7">
             <a:extLst>
               <a:ext uri="{FF2B5EF4-FFF2-40B4-BE49-F238E27FC236}">
-                <a16:creationId xmlns:a16="http://schemas.microsoft.com/office/drawing/2014/main" xmlns="" id="{1DFB671F-B217-499C-AAA2-BB2D824D1E5C}"/>
+                <a16:creationId xmlns="" xmlns:a16="http://schemas.microsoft.com/office/drawing/2014/main" id="{1DFB671F-B217-499C-AAA2-BB2D824D1E5C}"/>
               </a:ext>
             </a:extLst>
           </p:cNvPr>
@@ -27275,8 +27423,8 @@
           </a:p>
         </p:txBody>
       </p:sp>
-      <mc:AlternateContent xmlns:mc="http://schemas.openxmlformats.org/markup-compatibility/2006" xmlns:a14="http://schemas.microsoft.com/office/drawing/2010/main">
-        <mc:Choice Requires="a14">
+      <mc:AlternateContent xmlns:mc="http://schemas.openxmlformats.org/markup-compatibility/2006">
+        <mc:Choice xmlns:a14="http://schemas.microsoft.com/office/drawing/2010/main" Requires="a14">
           <p:sp>
             <p:nvSpPr>
               <p:cNvPr id="3" name="Zástupný symbol obsahu 2"/>
@@ -27300,7 +27448,19 @@
                 </a:pPr>
                 <a:r>
                   <a:rPr lang="sk-SK" dirty="0"/>
-                  <a:t>Prenosová funkcia systému úzko súvisí s ekvivalentnou diferenciálnou rovnicou</a:t>
+                  <a:t>Prenosová funkcia systému úzko súvisí s </a:t>
+                </a:r>
+                <a:r>
+                  <a:rPr lang="sk-SK" dirty="0" smtClean="0"/>
+                  <a:t>jeho </a:t>
+                </a:r>
+                <a:r>
+                  <a:rPr lang="sk-SK" dirty="0" smtClean="0"/>
+                  <a:t>ekvivalentnou </a:t>
+                </a:r>
+                <a:r>
+                  <a:rPr lang="sk-SK" dirty="0"/>
+                  <a:t>diferenciálnou rovnicou</a:t>
                 </a:r>
               </a:p>
               <a:p>
@@ -28148,8 +28308,13 @@
                 </a:r>
                 <a:r>
                   <a:rPr lang="sk-SK" dirty="0"/>
-                  <a:t>deriváciami príslušných signálov získame diferenciálnu rovnicu</a:t>
-                </a:r>
+                  <a:t>deriváciami príslušných signálov získame diferenciálnu </a:t>
+                </a:r>
+                <a:r>
+                  <a:rPr lang="sk-SK" dirty="0" smtClean="0"/>
+                  <a:t>rovnicu:</a:t>
+                </a:r>
+                <a:endParaRPr lang="sk-SK" dirty="0"/>
               </a:p>
               <a:p>
                 <a:pPr marL="0" indent="0">
@@ -28758,7 +28923,7 @@
             </p:txBody>
           </p:sp>
         </mc:Choice>
-        <mc:Fallback xmlns="">
+        <mc:Fallback>
           <p:sp>
             <p:nvSpPr>
               <p:cNvPr id="3" name="Zástupný symbol obsahu 2"/>
@@ -29068,7 +29233,7 @@
           <p:cNvPr id="2" name="Nadpis 1">
             <a:extLst>
               <a:ext uri="{FF2B5EF4-FFF2-40B4-BE49-F238E27FC236}">
-                <a16:creationId xmlns:a16="http://schemas.microsoft.com/office/drawing/2014/main" xmlns="" id="{3232E871-E5E1-4EA7-B974-28B15932ADEA}"/>
+                <a16:creationId xmlns="" xmlns:a16="http://schemas.microsoft.com/office/drawing/2014/main" id="{3232E871-E5E1-4EA7-B974-28B15932ADEA}"/>
               </a:ext>
             </a:extLst>
           </p:cNvPr>
@@ -29091,177 +29256,261 @@
           </a:p>
         </p:txBody>
       </p:sp>
-      <p:sp>
-        <p:nvSpPr>
-          <p:cNvPr id="3" name="Zástupný objekt pre obsah 2">
-            <a:extLst>
-              <a:ext uri="{FF2B5EF4-FFF2-40B4-BE49-F238E27FC236}">
-                <a16:creationId xmlns:a16="http://schemas.microsoft.com/office/drawing/2014/main" xmlns="" id="{F6D0F4A2-7F67-43D0-B475-A4654B96E2CF}"/>
-              </a:ext>
-            </a:extLst>
-          </p:cNvPr>
-          <p:cNvSpPr>
-            <a:spLocks noGrp="1"/>
-          </p:cNvSpPr>
-          <p:nvPr>
-            <p:ph idx="1"/>
-          </p:nvPr>
-        </p:nvSpPr>
-        <p:spPr>
-          <a:xfrm>
-            <a:off x="393699" y="2479589"/>
-            <a:ext cx="8559801" cy="3756111"/>
-          </a:xfrm>
-        </p:spPr>
-        <p:txBody>
-          <a:bodyPr>
-            <a:normAutofit lnSpcReduction="10000"/>
-          </a:bodyPr>
-          <a:lstStyle/>
-          <a:p>
-            <a:r>
-              <a:rPr lang="sk-SK" b="1" dirty="0"/>
-              <a:t>Charakteristický polynóm </a:t>
-            </a:r>
-            <a:r>
-              <a:rPr lang="sk-SK" dirty="0"/>
-              <a:t>= menovateľ prenosovej funkcie = A(s)</a:t>
-            </a:r>
-          </a:p>
-          <a:p>
-            <a:r>
-              <a:rPr lang="sk-SK" b="1" dirty="0"/>
-              <a:t>Rád charakteristického polynómu prenosovej funkcie – najdôležitejšia vlastnosť!</a:t>
-            </a:r>
-          </a:p>
-          <a:p>
-            <a:r>
-              <a:rPr lang="sk-SK" b="1" dirty="0"/>
-              <a:t>Rád </a:t>
-            </a:r>
-            <a:r>
-              <a:rPr lang="sk-SK" dirty="0"/>
-              <a:t>čitateľa prenosovej funkcie</a:t>
-            </a:r>
-          </a:p>
-          <a:p>
-            <a:r>
-              <a:rPr lang="sk-SK" b="1" dirty="0"/>
-              <a:t>Póly - </a:t>
-            </a:r>
-            <a:r>
-              <a:rPr lang="sk-SK" dirty="0"/>
-              <a:t>korene polynómu </a:t>
-            </a:r>
-            <a:r>
-              <a:rPr lang="sk-SK" i="1" dirty="0"/>
-              <a:t>A(s)=</a:t>
-            </a:r>
-            <a:r>
-              <a:rPr lang="sk-SK" i="1" dirty="0" smtClean="0"/>
-              <a:t>0 </a:t>
-            </a:r>
-          </a:p>
-          <a:p>
-            <a:pPr lvl="1"/>
-            <a:r>
-              <a:rPr lang="sk-SK" dirty="0"/>
-              <a:t>zodpovedné za </a:t>
-            </a:r>
-            <a:r>
-              <a:rPr lang="sk-SK" dirty="0" smtClean="0"/>
-              <a:t>stabilitu</a:t>
-            </a:r>
-          </a:p>
-          <a:p>
-            <a:pPr lvl="1"/>
-            <a:r>
-              <a:rPr lang="sk-SK" dirty="0" smtClean="0"/>
-              <a:t>Rovnica sa nazýva aj </a:t>
-            </a:r>
-            <a:r>
-              <a:rPr lang="sk-SK" b="1" dirty="0" smtClean="0"/>
-              <a:t>Charakteristická rovnica systému</a:t>
-            </a:r>
-            <a:endParaRPr lang="sk-SK" b="1" dirty="0"/>
-          </a:p>
-          <a:p>
-            <a:r>
-              <a:rPr lang="sk-SK" b="1" dirty="0"/>
-              <a:t>Nuly - </a:t>
-            </a:r>
-            <a:r>
-              <a:rPr lang="sk-SK" dirty="0"/>
-              <a:t>korene polynómu </a:t>
-            </a:r>
-            <a:r>
-              <a:rPr lang="sk-SK" i="1" dirty="0"/>
-              <a:t>B(s)=</a:t>
-            </a:r>
-            <a:r>
-              <a:rPr lang="sk-SK" i="1" dirty="0" smtClean="0"/>
-              <a:t>0 </a:t>
-            </a:r>
-            <a:endParaRPr lang="sk-SK" i="1" dirty="0"/>
-          </a:p>
-          <a:p>
-            <a:r>
-              <a:rPr lang="sk-SK" b="1" dirty="0"/>
-              <a:t>Stupeň </a:t>
-            </a:r>
-            <a:r>
-              <a:rPr lang="sk-SK" b="1" dirty="0" err="1"/>
-              <a:t>astatizmu</a:t>
-            </a:r>
-            <a:r>
-              <a:rPr lang="sk-SK" b="1" dirty="0"/>
-              <a:t> - </a:t>
-            </a:r>
-            <a:r>
-              <a:rPr lang="sk-SK" dirty="0"/>
-              <a:t>počet nulových pólov</a:t>
-            </a:r>
-          </a:p>
-          <a:p>
-            <a:pPr lvl="1"/>
-            <a:r>
-              <a:rPr lang="sk-SK" sz="2000" i="1" dirty="0"/>
-              <a:t>Statické sústavy</a:t>
-            </a:r>
-            <a:r>
-              <a:rPr lang="sk-SK" sz="2000" dirty="0"/>
-              <a:t>: nemajú nulové póly, nemajú </a:t>
-            </a:r>
-            <a:r>
-              <a:rPr lang="sk-SK" sz="2000" dirty="0" err="1"/>
-              <a:t>astatizmus</a:t>
-            </a:r>
-            <a:endParaRPr lang="sk-SK" sz="2000" dirty="0"/>
-          </a:p>
-          <a:p>
-            <a:pPr lvl="1"/>
-            <a:r>
-              <a:rPr lang="sk-SK" sz="2000" i="1" dirty="0" err="1"/>
-              <a:t>Astatické</a:t>
-            </a:r>
-            <a:r>
-              <a:rPr lang="sk-SK" sz="2000" i="1" dirty="0"/>
-              <a:t> sústavy: </a:t>
-            </a:r>
-            <a:r>
-              <a:rPr lang="sk-SK" sz="2000" dirty="0"/>
-              <a:t>majú minimálne jeden nulový pól</a:t>
-            </a:r>
-          </a:p>
-          <a:p>
-            <a:pPr lvl="1"/>
-            <a:endParaRPr lang="sk-SK" sz="2000" dirty="0"/>
-          </a:p>
-          <a:p>
-            <a:endParaRPr lang="sk-SK" dirty="0"/>
-          </a:p>
-        </p:txBody>
-      </p:sp>
+      <mc:AlternateContent xmlns:mc="http://schemas.openxmlformats.org/markup-compatibility/2006">
+        <mc:Choice xmlns:a14="http://schemas.microsoft.com/office/drawing/2010/main" Requires="a14">
+          <p:sp>
+            <p:nvSpPr>
+              <p:cNvPr id="3" name="Zástupný objekt pre obsah 2">
+                <a:extLst>
+                  <a:ext uri="{FF2B5EF4-FFF2-40B4-BE49-F238E27FC236}">
+                    <a16:creationId xmlns="" xmlns:a16="http://schemas.microsoft.com/office/drawing/2014/main" id="{F6D0F4A2-7F67-43D0-B475-A4654B96E2CF}"/>
+                  </a:ext>
+                </a:extLst>
+              </p:cNvPr>
+              <p:cNvSpPr>
+                <a:spLocks noGrp="1"/>
+              </p:cNvSpPr>
+              <p:nvPr>
+                <p:ph idx="1"/>
+              </p:nvPr>
+            </p:nvSpPr>
+            <p:spPr>
+              <a:xfrm>
+                <a:off x="393699" y="2479589"/>
+                <a:ext cx="8559801" cy="3756111"/>
+              </a:xfrm>
+            </p:spPr>
+            <p:txBody>
+              <a:bodyPr>
+                <a:normAutofit lnSpcReduction="10000"/>
+              </a:bodyPr>
+              <a:lstStyle/>
+              <a:p>
+                <a:r>
+                  <a:rPr lang="sk-SK" b="1" dirty="0"/>
+                  <a:t>Charakteristický polynóm </a:t>
+                </a:r>
+                <a:r>
+                  <a:rPr lang="sk-SK" dirty="0"/>
+                  <a:t>= menovateľ prenosovej funkcie = </a:t>
+                </a:r>
+                <a14:m>
+                  <m:oMath xmlns:m="http://schemas.openxmlformats.org/officeDocument/2006/math">
+                    <m:r>
+                      <a:rPr lang="sk-SK" i="1">
+                        <a:solidFill>
+                          <a:srgbClr val="000000"/>
+                        </a:solidFill>
+                        <a:latin typeface="Cambria Math" panose="02040503050406030204" pitchFamily="18" charset="0"/>
+                      </a:rPr>
+                      <m:t>𝐴</m:t>
+                    </m:r>
+                    <m:d>
+                      <m:dPr>
+                        <m:ctrlPr>
+                          <a:rPr lang="sk-SK" i="1">
+                            <a:solidFill>
+                              <a:srgbClr val="000000"/>
+                            </a:solidFill>
+                            <a:latin typeface="Cambria Math" panose="02040503050406030204" pitchFamily="18" charset="0"/>
+                          </a:rPr>
+                        </m:ctrlPr>
+                      </m:dPr>
+                      <m:e>
+                        <m:r>
+                          <a:rPr lang="sk-SK" i="1">
+                            <a:solidFill>
+                              <a:srgbClr val="000000"/>
+                            </a:solidFill>
+                            <a:latin typeface="Cambria Math" panose="02040503050406030204" pitchFamily="18" charset="0"/>
+                          </a:rPr>
+                          <m:t>𝑠</m:t>
+                        </m:r>
+                      </m:e>
+                    </m:d>
+                  </m:oMath>
+                </a14:m>
+                <a:endParaRPr lang="sk-SK" i="1" dirty="0"/>
+              </a:p>
+              <a:p>
+                <a:r>
+                  <a:rPr lang="sk-SK" b="1" dirty="0"/>
+                  <a:t>Rád charakteristického polynómu prenosovej funkcie – najdôležitejšia vlastnosť!</a:t>
+                </a:r>
+              </a:p>
+              <a:p>
+                <a:r>
+                  <a:rPr lang="sk-SK" b="1" dirty="0"/>
+                  <a:t>Rád </a:t>
+                </a:r>
+                <a:r>
+                  <a:rPr lang="sk-SK" dirty="0"/>
+                  <a:t>čitateľa prenosovej funkcie</a:t>
+                </a:r>
+              </a:p>
+              <a:p>
+                <a:r>
+                  <a:rPr lang="sk-SK" b="1" dirty="0"/>
+                  <a:t>Póly - </a:t>
+                </a:r>
+                <a:r>
+                  <a:rPr lang="sk-SK" dirty="0"/>
+                  <a:t>korene polynómu </a:t>
+                </a:r>
+                <a:r>
+                  <a:rPr lang="sk-SK" i="1" dirty="0"/>
+                  <a:t>A(s)=</a:t>
+                </a:r>
+                <a:r>
+                  <a:rPr lang="sk-SK" i="1" dirty="0" smtClean="0"/>
+                  <a:t>0 </a:t>
+                </a:r>
+              </a:p>
+              <a:p>
+                <a:pPr lvl="1"/>
+                <a:r>
+                  <a:rPr lang="sk-SK" dirty="0"/>
+                  <a:t>zodpovedné za </a:t>
+                </a:r>
+                <a:r>
+                  <a:rPr lang="sk-SK" dirty="0" smtClean="0"/>
+                  <a:t>stabilitu</a:t>
+                </a:r>
+              </a:p>
+              <a:p>
+                <a:pPr lvl="1"/>
+                <a:r>
+                  <a:rPr lang="sk-SK" dirty="0" smtClean="0"/>
+                  <a:t>Rovnica sa nazýva aj </a:t>
+                </a:r>
+                <a:r>
+                  <a:rPr lang="sk-SK" b="1" dirty="0" smtClean="0"/>
+                  <a:t>Charakteristická rovnica systému</a:t>
+                </a:r>
+                <a:endParaRPr lang="sk-SK" b="1" dirty="0"/>
+              </a:p>
+              <a:p>
+                <a:r>
+                  <a:rPr lang="sk-SK" b="1" dirty="0"/>
+                  <a:t>Nuly - </a:t>
+                </a:r>
+                <a:r>
+                  <a:rPr lang="sk-SK" dirty="0"/>
+                  <a:t>korene polynómu </a:t>
+                </a:r>
+                <a:r>
+                  <a:rPr lang="sk-SK" i="1" dirty="0"/>
+                  <a:t>B(s)=</a:t>
+                </a:r>
+                <a:r>
+                  <a:rPr lang="sk-SK" i="1" dirty="0" smtClean="0"/>
+                  <a:t>0 </a:t>
+                </a:r>
+                <a:endParaRPr lang="sk-SK" i="1" dirty="0"/>
+              </a:p>
+              <a:p>
+                <a:r>
+                  <a:rPr lang="sk-SK" b="1" dirty="0"/>
+                  <a:t>Stupeň </a:t>
+                </a:r>
+                <a:r>
+                  <a:rPr lang="sk-SK" b="1" dirty="0" err="1"/>
+                  <a:t>astatizmu</a:t>
+                </a:r>
+                <a:r>
+                  <a:rPr lang="sk-SK" b="1" dirty="0"/>
+                  <a:t> - </a:t>
+                </a:r>
+                <a:r>
+                  <a:rPr lang="sk-SK" dirty="0"/>
+                  <a:t>počet nulových pólov</a:t>
+                </a:r>
+              </a:p>
+              <a:p>
+                <a:pPr lvl="1"/>
+                <a:r>
+                  <a:rPr lang="sk-SK" sz="2000" i="1" dirty="0"/>
+                  <a:t>Statické sústavy</a:t>
+                </a:r>
+                <a:r>
+                  <a:rPr lang="sk-SK" sz="2000" dirty="0"/>
+                  <a:t>: nemajú nulové póly, nemajú </a:t>
+                </a:r>
+                <a:r>
+                  <a:rPr lang="sk-SK" sz="2000" dirty="0" err="1"/>
+                  <a:t>astatizmus</a:t>
+                </a:r>
+                <a:endParaRPr lang="sk-SK" sz="2000" dirty="0"/>
+              </a:p>
+              <a:p>
+                <a:pPr lvl="1"/>
+                <a:r>
+                  <a:rPr lang="sk-SK" sz="2000" i="1" dirty="0" err="1"/>
+                  <a:t>Astatické</a:t>
+                </a:r>
+                <a:r>
+                  <a:rPr lang="sk-SK" sz="2000" i="1" dirty="0"/>
+                  <a:t> sústavy: </a:t>
+                </a:r>
+                <a:r>
+                  <a:rPr lang="sk-SK" sz="2000" dirty="0"/>
+                  <a:t>majú minimálne jeden nulový pól</a:t>
+                </a:r>
+              </a:p>
+              <a:p>
+                <a:pPr lvl="1"/>
+                <a:endParaRPr lang="sk-SK" sz="2000" dirty="0"/>
+              </a:p>
+              <a:p>
+                <a:endParaRPr lang="sk-SK" dirty="0"/>
+              </a:p>
+            </p:txBody>
+          </p:sp>
+        </mc:Choice>
+        <mc:Fallback>
+          <p:sp>
+            <p:nvSpPr>
+              <p:cNvPr id="3" name="Zástupný objekt pre obsah 2">
+                <a:extLst>
+                  <a:ext uri="{FF2B5EF4-FFF2-40B4-BE49-F238E27FC236}">
+                    <a16:creationId xmlns="" xmlns:a16="http://schemas.microsoft.com/office/drawing/2014/main" id="{F6D0F4A2-7F67-43D0-B475-A4654B96E2CF}"/>
+                  </a:ext>
+                </a:extLst>
+              </p:cNvPr>
+              <p:cNvSpPr>
+                <a:spLocks noGrp="1" noRot="1" noChangeAspect="1" noMove="1" noResize="1" noEditPoints="1" noAdjustHandles="1" noChangeArrowheads="1" noChangeShapeType="1" noTextEdit="1"/>
+              </p:cNvSpPr>
+              <p:nvPr>
+                <p:ph idx="1"/>
+              </p:nvPr>
+            </p:nvSpPr>
+            <p:spPr>
+              <a:xfrm>
+                <a:off x="393699" y="2479589"/>
+                <a:ext cx="8559801" cy="3756111"/>
+              </a:xfrm>
+              <a:blipFill rotWithShape="0">
+                <a:blip r:embed="rId2"/>
+                <a:stretch>
+                  <a:fillRect l="-783" t="-2435" r="-1709" b="-325"/>
+                </a:stretch>
+              </a:blipFill>
+            </p:spPr>
+            <p:txBody>
+              <a:bodyPr/>
+              <a:lstStyle/>
+              <a:p>
+                <a:r>
+                  <a:rPr lang="sk-SK">
+                    <a:noFill/>
+                  </a:rPr>
+                  <a:t> </a:t>
+                </a:r>
+              </a:p>
+            </p:txBody>
+          </p:sp>
+        </mc:Fallback>
+      </mc:AlternateContent>
       <mc:AlternateContent xmlns:mc="http://schemas.openxmlformats.org/markup-compatibility/2006" xmlns:a14="http://schemas.microsoft.com/office/drawing/2010/main">
         <mc:Choice Requires="a14">
           <p:sp>
@@ -29269,7 +29518,7 @@
               <p:cNvPr id="4" name="Objekt 3">
                 <a:extLst>
                   <a:ext uri="{FF2B5EF4-FFF2-40B4-BE49-F238E27FC236}">
-                    <a16:creationId xmlns:a16="http://schemas.microsoft.com/office/drawing/2014/main" xmlns="" id="{8902A743-C9E5-4569-8750-8238CE1EEA40}"/>
+                    <a16:creationId xmlns="" xmlns:a16="http://schemas.microsoft.com/office/drawing/2014/main" id="{8902A743-C9E5-4569-8750-8238CE1EEA40}"/>
                   </a:ext>
                 </a:extLst>
               </p:cNvPr>
@@ -29958,7 +30207,7 @@
                 <a:avLst/>
               </a:prstGeom>
               <a:blipFill>
-                <a:blip r:embed="rId2"/>
+                <a:blip r:embed="rId3"/>
                 <a:stretch>
                   <a:fillRect/>
                 </a:stretch>
@@ -30512,9 +30761,10 @@
               <a:t>uzavretý obvod nutné stabilitu overiť </a:t>
             </a:r>
             <a:r>
-              <a:rPr lang="sk-SK" dirty="0"/>
-              <a:t>!</a:t>
+              <a:rPr lang="sk-SK" dirty="0" smtClean="0"/>
+              <a:t>! (ďalšie prednášky)</a:t>
             </a:r>
+            <a:endParaRPr lang="sk-SK" dirty="0"/>
           </a:p>
         </p:txBody>
       </p:sp>
@@ -30981,8 +31231,8 @@
           </a:p>
         </p:txBody>
       </p:sp>
-      <mc:AlternateContent xmlns:mc="http://schemas.openxmlformats.org/markup-compatibility/2006" xmlns:a14="http://schemas.microsoft.com/office/drawing/2010/main">
-        <mc:Choice Requires="a14">
+      <mc:AlternateContent xmlns:mc="http://schemas.openxmlformats.org/markup-compatibility/2006">
+        <mc:Choice xmlns:a14="http://schemas.microsoft.com/office/drawing/2010/main" Requires="a14">
           <p:sp>
             <p:nvSpPr>
               <p:cNvPr id="3" name="Zástupný symbol obsahu 2"/>
@@ -31008,16 +31258,24 @@
                   <a:buChar char="•"/>
                 </a:pPr>
                 <a:r>
+                  <a:rPr lang="sk-SK" dirty="0" smtClean="0"/>
+                  <a:t>a</a:t>
+                </a:r>
+                <a:r>
+                  <a:rPr lang="sk-SK" b="1" dirty="0" smtClean="0"/>
+                  <a:t>-</a:t>
+                </a:r>
+                <a:r>
+                  <a:rPr lang="sk-SK" dirty="0" err="1" smtClean="0"/>
+                  <a:t>statizmus</a:t>
+                </a:r>
+                <a:r>
+                  <a:rPr lang="sk-SK" dirty="0" smtClean="0"/>
+                  <a:t> </a:t>
+                </a:r>
+                <a:r>
                   <a:rPr lang="sk-SK" dirty="0"/>
-                  <a:t>a – </a:t>
-                </a:r>
-                <a:r>
-                  <a:rPr lang="sk-SK" dirty="0" err="1"/>
-                  <a:t>statizmus</a:t>
-                </a:r>
-                <a:r>
-                  <a:rPr lang="sk-SK" dirty="0"/>
-                  <a:t> = nemá statické zosilnenie </a:t>
+                  <a:t>= nemá statické zosilnenie </a:t>
                 </a:r>
                 <a:endParaRPr lang="en-US" dirty="0"/>
               </a:p>
@@ -31100,8 +31358,13 @@
                 </a:r>
                 <a:r>
                   <a:rPr lang="sk-SK" dirty="0"/>
-                  <a:t> sú na hranici stability</a:t>
-                </a:r>
+                  <a:t> sú na hranici </a:t>
+                </a:r>
+                <a:r>
+                  <a:rPr lang="sk-SK" dirty="0" smtClean="0"/>
+                  <a:t>stability !!!</a:t>
+                </a:r>
+                <a:endParaRPr lang="sk-SK" dirty="0"/>
               </a:p>
               <a:p>
                 <a:pPr>
@@ -31366,7 +31629,7 @@
             </p:txBody>
           </p:sp>
         </mc:Choice>
-        <mc:Fallback xmlns="">
+        <mc:Fallback>
           <p:sp>
             <p:nvSpPr>
               <p:cNvPr id="3" name="Zástupný symbol obsahu 2"/>
@@ -31998,8 +32261,8 @@
           </a:p>
         </p:txBody>
       </p:sp>
-      <mc:AlternateContent xmlns:mc="http://schemas.openxmlformats.org/markup-compatibility/2006" xmlns:a14="http://schemas.microsoft.com/office/drawing/2010/main">
-        <mc:Choice Requires="a14">
+      <mc:AlternateContent xmlns:mc="http://schemas.openxmlformats.org/markup-compatibility/2006">
+        <mc:Choice xmlns:a14="http://schemas.microsoft.com/office/drawing/2010/main" Requires="a14">
           <p:sp>
             <p:nvSpPr>
               <p:cNvPr id="3" name="Zástupný symbol obsahu 2"/>
@@ -32015,6 +32278,10 @@
               <a:bodyPr/>
               <a:lstStyle/>
               <a:p>
+                <a:pPr>
+                  <a:buFont typeface="Arial" panose="020B0604020202020204" pitchFamily="34" charset="0"/>
+                  <a:buChar char="•"/>
+                </a:pPr>
                 <a:r>
                   <a:rPr lang="sk-SK" dirty="0"/>
                   <a:t>Prenosové funkcie radené „vedľa seba“</a:t>
@@ -32197,7 +32464,7 @@
             </p:txBody>
           </p:sp>
         </mc:Choice>
-        <mc:Fallback xmlns="">
+        <mc:Fallback>
           <p:sp>
             <p:nvSpPr>
               <p:cNvPr id="3" name="Zástupný symbol obsahu 2"/>
@@ -32328,8 +32595,8 @@
           </a:p>
         </p:txBody>
       </p:sp>
-      <mc:AlternateContent xmlns:mc="http://schemas.openxmlformats.org/markup-compatibility/2006" xmlns:a14="http://schemas.microsoft.com/office/drawing/2010/main">
-        <mc:Choice Requires="a14">
+      <mc:AlternateContent xmlns:mc="http://schemas.openxmlformats.org/markup-compatibility/2006">
+        <mc:Choice xmlns:a14="http://schemas.microsoft.com/office/drawing/2010/main" Requires="a14">
           <p:sp>
             <p:nvSpPr>
               <p:cNvPr id="3" name="Zástupný symbol obsahu 2"/>
@@ -32358,8 +32625,13 @@
                 </a:pPr>
                 <a:r>
                   <a:rPr lang="sk-SK" dirty="0"/>
-                  <a:t>V obvode máme štyri rôzne signály</a:t>
-                </a:r>
+                  <a:t>V obvode máme štyri rôzne </a:t>
+                </a:r>
+                <a:r>
+                  <a:rPr lang="sk-SK" dirty="0" smtClean="0"/>
+                  <a:t>signály:</a:t>
+                </a:r>
+                <a:endParaRPr lang="sk-SK" dirty="0"/>
               </a:p>
               <a:p>
                 <a:pPr lvl="1"/>
@@ -33540,7 +33812,7 @@
             </p:txBody>
           </p:sp>
         </mc:Choice>
-        <mc:Fallback xmlns="">
+        <mc:Fallback>
           <p:sp>
             <p:nvSpPr>
               <p:cNvPr id="3" name="Zástupný symbol obsahu 2"/>
@@ -43769,8 +44041,8 @@
           </a:p>
         </p:txBody>
       </p:sp>
-      <mc:AlternateContent xmlns:mc="http://schemas.openxmlformats.org/markup-compatibility/2006" xmlns:a14="http://schemas.microsoft.com/office/drawing/2010/main">
-        <mc:Choice Requires="a14">
+      <mc:AlternateContent xmlns:mc="http://schemas.openxmlformats.org/markup-compatibility/2006">
+        <mc:Choice xmlns:a14="http://schemas.microsoft.com/office/drawing/2010/main" Requires="a14">
           <p:sp>
             <p:nvSpPr>
               <p:cNvPr id="3" name="Zástupný symbol obsahu 2"/>
@@ -43789,7 +44061,7 @@
             </p:spPr>
             <p:txBody>
               <a:bodyPr>
-                <a:normAutofit fontScale="85000" lnSpcReduction="20000"/>
+                <a:normAutofit fontScale="70000" lnSpcReduction="20000"/>
               </a:bodyPr>
               <a:lstStyle/>
               <a:p>
@@ -44081,8 +44353,27 @@
                 </a:r>
                 <a:r>
                   <a:rPr lang="sk-SK" dirty="0"/>
-                  <a:t> model </a:t>
-                </a:r>
+                  <a:t> </a:t>
+                </a:r>
+                <a:r>
+                  <a:rPr lang="sk-SK" dirty="0" smtClean="0"/>
+                  <a:t>model</a:t>
+                </a:r>
+              </a:p>
+              <a:p>
+                <a:pPr>
+                  <a:buFont typeface="Arial" panose="020B0604020202020204" pitchFamily="34" charset="0"/>
+                  <a:buChar char="•"/>
+                </a:pPr>
+                <a:r>
+                  <a:rPr lang="sk-SK" dirty="0" smtClean="0"/>
+                  <a:t>Analýzou vlastností kmitavých systémov druhého rádu sa budeme venovať v ďalších prednáškach</a:t>
+                </a:r>
+                <a:r>
+                  <a:rPr lang="sk-SK" dirty="0" smtClean="0"/>
+                  <a:t> </a:t>
+                </a:r>
+                <a:endParaRPr lang="sk-SK" dirty="0"/>
               </a:p>
               <a:p>
                 <a:endParaRPr lang="sk-SK" dirty="0"/>
@@ -44090,7 +44381,7 @@
             </p:txBody>
           </p:sp>
         </mc:Choice>
-        <mc:Fallback xmlns="">
+        <mc:Fallback>
           <p:sp>
             <p:nvSpPr>
               <p:cNvPr id="3" name="Zástupný symbol obsahu 2"/>
@@ -44109,7 +44400,7 @@
               <a:blipFill rotWithShape="0">
                 <a:blip r:embed="rId2"/>
                 <a:stretch>
-                  <a:fillRect l="-1421" t="-1608"/>
+                  <a:fillRect l="-1208" t="-1179"/>
                 </a:stretch>
               </a:blipFill>
             </p:spPr>
@@ -44143,7 +44434,7 @@
         </p:blipFill>
         <p:spPr>
           <a:xfrm>
-            <a:off x="1647567" y="3550509"/>
+            <a:off x="1647567" y="3113904"/>
             <a:ext cx="5795824" cy="2644345"/>
           </a:xfrm>
           <a:prstGeom prst="rect">
